--- a/AI.pptx
+++ b/AI.pptx
@@ -256,7 +256,7 @@
           <a:p>
             <a:fld id="{8E3D44F6-5CF6-4E69-8072-15DAA78CD95F}" type="datetimeFigureOut">
               <a:rPr lang="en-IN" smtClean="0"/>
-              <a:t>19-03-2018</a:t>
+              <a:t>20-03-2018</a:t>
             </a:fld>
             <a:endParaRPr lang="en-IN"/>
           </a:p>
@@ -426,7 +426,7 @@
           <a:p>
             <a:fld id="{8E3D44F6-5CF6-4E69-8072-15DAA78CD95F}" type="datetimeFigureOut">
               <a:rPr lang="en-IN" smtClean="0"/>
-              <a:t>19-03-2018</a:t>
+              <a:t>20-03-2018</a:t>
             </a:fld>
             <a:endParaRPr lang="en-IN"/>
           </a:p>
@@ -606,7 +606,7 @@
           <a:p>
             <a:fld id="{8E3D44F6-5CF6-4E69-8072-15DAA78CD95F}" type="datetimeFigureOut">
               <a:rPr lang="en-IN" smtClean="0"/>
-              <a:t>19-03-2018</a:t>
+              <a:t>20-03-2018</a:t>
             </a:fld>
             <a:endParaRPr lang="en-IN"/>
           </a:p>
@@ -776,7 +776,7 @@
           <a:p>
             <a:fld id="{8E3D44F6-5CF6-4E69-8072-15DAA78CD95F}" type="datetimeFigureOut">
               <a:rPr lang="en-IN" smtClean="0"/>
-              <a:t>19-03-2018</a:t>
+              <a:t>20-03-2018</a:t>
             </a:fld>
             <a:endParaRPr lang="en-IN"/>
           </a:p>
@@ -1022,7 +1022,7 @@
           <a:p>
             <a:fld id="{8E3D44F6-5CF6-4E69-8072-15DAA78CD95F}" type="datetimeFigureOut">
               <a:rPr lang="en-IN" smtClean="0"/>
-              <a:t>19-03-2018</a:t>
+              <a:t>20-03-2018</a:t>
             </a:fld>
             <a:endParaRPr lang="en-IN"/>
           </a:p>
@@ -1254,7 +1254,7 @@
           <a:p>
             <a:fld id="{8E3D44F6-5CF6-4E69-8072-15DAA78CD95F}" type="datetimeFigureOut">
               <a:rPr lang="en-IN" smtClean="0"/>
-              <a:t>19-03-2018</a:t>
+              <a:t>20-03-2018</a:t>
             </a:fld>
             <a:endParaRPr lang="en-IN"/>
           </a:p>
@@ -1621,7 +1621,7 @@
           <a:p>
             <a:fld id="{8E3D44F6-5CF6-4E69-8072-15DAA78CD95F}" type="datetimeFigureOut">
               <a:rPr lang="en-IN" smtClean="0"/>
-              <a:t>19-03-2018</a:t>
+              <a:t>20-03-2018</a:t>
             </a:fld>
             <a:endParaRPr lang="en-IN"/>
           </a:p>
@@ -1739,7 +1739,7 @@
           <a:p>
             <a:fld id="{8E3D44F6-5CF6-4E69-8072-15DAA78CD95F}" type="datetimeFigureOut">
               <a:rPr lang="en-IN" smtClean="0"/>
-              <a:t>19-03-2018</a:t>
+              <a:t>20-03-2018</a:t>
             </a:fld>
             <a:endParaRPr lang="en-IN"/>
           </a:p>
@@ -1834,7 +1834,7 @@
           <a:p>
             <a:fld id="{8E3D44F6-5CF6-4E69-8072-15DAA78CD95F}" type="datetimeFigureOut">
               <a:rPr lang="en-IN" smtClean="0"/>
-              <a:t>19-03-2018</a:t>
+              <a:t>20-03-2018</a:t>
             </a:fld>
             <a:endParaRPr lang="en-IN"/>
           </a:p>
@@ -2111,7 +2111,7 @@
           <a:p>
             <a:fld id="{8E3D44F6-5CF6-4E69-8072-15DAA78CD95F}" type="datetimeFigureOut">
               <a:rPr lang="en-IN" smtClean="0"/>
-              <a:t>19-03-2018</a:t>
+              <a:t>20-03-2018</a:t>
             </a:fld>
             <a:endParaRPr lang="en-IN"/>
           </a:p>
@@ -2364,7 +2364,7 @@
           <a:p>
             <a:fld id="{8E3D44F6-5CF6-4E69-8072-15DAA78CD95F}" type="datetimeFigureOut">
               <a:rPr lang="en-IN" smtClean="0"/>
-              <a:t>19-03-2018</a:t>
+              <a:t>20-03-2018</a:t>
             </a:fld>
             <a:endParaRPr lang="en-IN"/>
           </a:p>
@@ -2577,7 +2577,7 @@
           <a:p>
             <a:fld id="{8E3D44F6-5CF6-4E69-8072-15DAA78CD95F}" type="datetimeFigureOut">
               <a:rPr lang="en-IN" smtClean="0"/>
-              <a:t>19-03-2018</a:t>
+              <a:t>20-03-2018</a:t>
             </a:fld>
             <a:endParaRPr lang="en-IN"/>
           </a:p>
@@ -4125,7 +4125,6 @@
               <a:rPr lang="en-IN" dirty="0" smtClean="0"/>
               <a:t>images.</a:t>
             </a:r>
-            <a:endParaRPr lang="en-IN" dirty="0" smtClean="0"/>
           </a:p>
           <a:p>
             <a:endParaRPr lang="en-IN" dirty="0"/>

--- a/AI.pptx
+++ b/AI.pptx
@@ -8,17 +8,13 @@
     <p:sldId id="256" r:id="rId2"/>
     <p:sldId id="257" r:id="rId3"/>
     <p:sldId id="258" r:id="rId4"/>
-    <p:sldId id="268" r:id="rId5"/>
-    <p:sldId id="259" r:id="rId6"/>
+    <p:sldId id="259" r:id="rId5"/>
+    <p:sldId id="270" r:id="rId6"/>
     <p:sldId id="260" r:id="rId7"/>
     <p:sldId id="261" r:id="rId8"/>
     <p:sldId id="262" r:id="rId9"/>
     <p:sldId id="269" r:id="rId10"/>
     <p:sldId id="263" r:id="rId11"/>
-    <p:sldId id="264" r:id="rId12"/>
-    <p:sldId id="265" r:id="rId13"/>
-    <p:sldId id="266" r:id="rId14"/>
-    <p:sldId id="267" r:id="rId15"/>
   </p:sldIdLst>
   <p:sldSz cx="12192000" cy="6858000"/>
   <p:notesSz cx="6858000" cy="9144000"/>
@@ -256,7 +252,7 @@
           <a:p>
             <a:fld id="{8E3D44F6-5CF6-4E69-8072-15DAA78CD95F}" type="datetimeFigureOut">
               <a:rPr lang="en-IN" smtClean="0"/>
-              <a:t>20-03-2018</a:t>
+              <a:t>21-03-2018</a:t>
             </a:fld>
             <a:endParaRPr lang="en-IN"/>
           </a:p>
@@ -426,7 +422,7 @@
           <a:p>
             <a:fld id="{8E3D44F6-5CF6-4E69-8072-15DAA78CD95F}" type="datetimeFigureOut">
               <a:rPr lang="en-IN" smtClean="0"/>
-              <a:t>20-03-2018</a:t>
+              <a:t>21-03-2018</a:t>
             </a:fld>
             <a:endParaRPr lang="en-IN"/>
           </a:p>
@@ -606,7 +602,7 @@
           <a:p>
             <a:fld id="{8E3D44F6-5CF6-4E69-8072-15DAA78CD95F}" type="datetimeFigureOut">
               <a:rPr lang="en-IN" smtClean="0"/>
-              <a:t>20-03-2018</a:t>
+              <a:t>21-03-2018</a:t>
             </a:fld>
             <a:endParaRPr lang="en-IN"/>
           </a:p>
@@ -776,7 +772,7 @@
           <a:p>
             <a:fld id="{8E3D44F6-5CF6-4E69-8072-15DAA78CD95F}" type="datetimeFigureOut">
               <a:rPr lang="en-IN" smtClean="0"/>
-              <a:t>20-03-2018</a:t>
+              <a:t>21-03-2018</a:t>
             </a:fld>
             <a:endParaRPr lang="en-IN"/>
           </a:p>
@@ -1022,7 +1018,7 @@
           <a:p>
             <a:fld id="{8E3D44F6-5CF6-4E69-8072-15DAA78CD95F}" type="datetimeFigureOut">
               <a:rPr lang="en-IN" smtClean="0"/>
-              <a:t>20-03-2018</a:t>
+              <a:t>21-03-2018</a:t>
             </a:fld>
             <a:endParaRPr lang="en-IN"/>
           </a:p>
@@ -1254,7 +1250,7 @@
           <a:p>
             <a:fld id="{8E3D44F6-5CF6-4E69-8072-15DAA78CD95F}" type="datetimeFigureOut">
               <a:rPr lang="en-IN" smtClean="0"/>
-              <a:t>20-03-2018</a:t>
+              <a:t>21-03-2018</a:t>
             </a:fld>
             <a:endParaRPr lang="en-IN"/>
           </a:p>
@@ -1621,7 +1617,7 @@
           <a:p>
             <a:fld id="{8E3D44F6-5CF6-4E69-8072-15DAA78CD95F}" type="datetimeFigureOut">
               <a:rPr lang="en-IN" smtClean="0"/>
-              <a:t>20-03-2018</a:t>
+              <a:t>21-03-2018</a:t>
             </a:fld>
             <a:endParaRPr lang="en-IN"/>
           </a:p>
@@ -1739,7 +1735,7 @@
           <a:p>
             <a:fld id="{8E3D44F6-5CF6-4E69-8072-15DAA78CD95F}" type="datetimeFigureOut">
               <a:rPr lang="en-IN" smtClean="0"/>
-              <a:t>20-03-2018</a:t>
+              <a:t>21-03-2018</a:t>
             </a:fld>
             <a:endParaRPr lang="en-IN"/>
           </a:p>
@@ -1834,7 +1830,7 @@
           <a:p>
             <a:fld id="{8E3D44F6-5CF6-4E69-8072-15DAA78CD95F}" type="datetimeFigureOut">
               <a:rPr lang="en-IN" smtClean="0"/>
-              <a:t>20-03-2018</a:t>
+              <a:t>21-03-2018</a:t>
             </a:fld>
             <a:endParaRPr lang="en-IN"/>
           </a:p>
@@ -2111,7 +2107,7 @@
           <a:p>
             <a:fld id="{8E3D44F6-5CF6-4E69-8072-15DAA78CD95F}" type="datetimeFigureOut">
               <a:rPr lang="en-IN" smtClean="0"/>
-              <a:t>20-03-2018</a:t>
+              <a:t>21-03-2018</a:t>
             </a:fld>
             <a:endParaRPr lang="en-IN"/>
           </a:p>
@@ -2364,7 +2360,7 @@
           <a:p>
             <a:fld id="{8E3D44F6-5CF6-4E69-8072-15DAA78CD95F}" type="datetimeFigureOut">
               <a:rPr lang="en-IN" smtClean="0"/>
-              <a:t>20-03-2018</a:t>
+              <a:t>21-03-2018</a:t>
             </a:fld>
             <a:endParaRPr lang="en-IN"/>
           </a:p>
@@ -2577,7 +2573,7 @@
           <a:p>
             <a:fld id="{8E3D44F6-5CF6-4E69-8072-15DAA78CD95F}" type="datetimeFigureOut">
               <a:rPr lang="en-IN" smtClean="0"/>
-              <a:t>20-03-2018</a:t>
+              <a:t>21-03-2018</a:t>
             </a:fld>
             <a:endParaRPr lang="en-IN"/>
           </a:p>
@@ -3073,7 +3069,7 @@
           <a:p>
             <a:r>
               <a:rPr lang="en-IN" dirty="0" smtClean="0"/>
-              <a:t>Natural Language Processing (2 Hrs)</a:t>
+              <a:t>Natural Language Processing </a:t>
             </a:r>
             <a:br>
               <a:rPr lang="en-IN" dirty="0" smtClean="0"/>
@@ -3101,6 +3097,9 @@
           <a:bodyPr/>
           <a:lstStyle/>
           <a:p>
+            <a:pPr marL="0" indent="0">
+              <a:buNone/>
+            </a:pPr>
             <a:r>
               <a:rPr lang="en-IN" dirty="0" smtClean="0"/>
               <a:t/>
@@ -3110,18 +3109,85 @@
             </a:br>
             <a:r>
               <a:rPr lang="en-IN" dirty="0" smtClean="0"/>
-              <a:t>a. Applications</a:t>
-            </a:r>
-            <a:br>
+              <a:t>It is a </a:t>
+            </a:r>
+            <a:r>
+              <a:rPr lang="en-US" dirty="0" smtClean="0"/>
+              <a:t>sub-field </a:t>
+            </a:r>
+            <a:r>
+              <a:rPr lang="en-US" dirty="0"/>
+              <a:t>of Artificial Intelligence (AI)</a:t>
+            </a:r>
+            <a:endParaRPr lang="en-IN" dirty="0" smtClean="0"/>
+          </a:p>
+          <a:p>
+            <a:pPr marL="0" indent="0">
+              <a:buNone/>
+            </a:pPr>
+            <a:r>
+              <a:rPr lang="en-US" dirty="0" smtClean="0"/>
+              <a:t>Aim is to </a:t>
+            </a:r>
+            <a:r>
+              <a:rPr lang="en-US" dirty="0"/>
+              <a:t>build intelligent computers that can interact with human being </a:t>
+            </a:r>
+            <a:r>
+              <a:rPr lang="en-US" dirty="0" smtClean="0"/>
+              <a:t>like </a:t>
+            </a:r>
+            <a:r>
+              <a:rPr lang="en-US" dirty="0"/>
+              <a:t>a human being </a:t>
+            </a:r>
+            <a:r>
+              <a:rPr lang="en-US" dirty="0" smtClean="0"/>
+              <a:t>!!</a:t>
+            </a:r>
+          </a:p>
+          <a:p>
+            <a:pPr marL="0" indent="0">
+              <a:buNone/>
+            </a:pPr>
+            <a:endParaRPr lang="en-US" dirty="0"/>
+          </a:p>
+          <a:p>
+            <a:pPr marL="0" indent="0">
+              <a:buNone/>
+            </a:pPr>
+            <a:r>
+              <a:rPr lang="en-US" dirty="0"/>
+              <a:t>Applications:  </a:t>
+            </a:r>
+          </a:p>
+          <a:p>
+            <a:pPr marL="0" indent="0">
+              <a:buNone/>
+            </a:pPr>
+            <a:r>
+              <a:rPr lang="en-US" smtClean="0"/>
+              <a:t>Chatbots</a:t>
+            </a:r>
+            <a:r>
+              <a:rPr lang="en-US" dirty="0" smtClean="0"/>
+              <a:t>,</a:t>
+            </a:r>
+            <a:r>
               <a:rPr lang="en-IN" dirty="0" smtClean="0"/>
-            </a:br>
-            <a:r>
-              <a:rPr lang="en-IN" dirty="0" smtClean="0"/>
-              <a:t>b. </a:t>
-            </a:r>
-            <a:r>
-              <a:rPr lang="en-IN" dirty="0" err="1" smtClean="0"/>
-              <a:t>Chatbots</a:t>
+              <a:t> </a:t>
+            </a:r>
+            <a:r>
+              <a:rPr lang="en-IN" dirty="0"/>
+              <a:t>Virtual digital </a:t>
+            </a:r>
+            <a:r>
+              <a:rPr lang="en-IN" dirty="0"/>
+              <a:t>assistants,</a:t>
+            </a:r>
+            <a:r>
+              <a:rPr lang="en-US" dirty="0"/>
+              <a:t>Text to speech etc.</a:t>
             </a:r>
             <a:endParaRPr lang="en-IN" dirty="0"/>
           </a:p>
@@ -3131,305 +3197,6 @@
     <p:extLst>
       <p:ext uri="{BB962C8B-B14F-4D97-AF65-F5344CB8AC3E}">
         <p14:creationId xmlns:p14="http://schemas.microsoft.com/office/powerpoint/2010/main" val="388010608"/>
-      </p:ext>
-    </p:extLst>
-  </p:cSld>
-  <p:clrMapOvr>
-    <a:masterClrMapping/>
-  </p:clrMapOvr>
-</p:sld>
-</file>
-
-<file path=ppt/slides/slide11.xml><?xml version="1.0" encoding="utf-8"?>
-<p:sld xmlns:a="http://schemas.openxmlformats.org/drawingml/2006/main" xmlns:r="http://schemas.openxmlformats.org/officeDocument/2006/relationships" xmlns:p="http://schemas.openxmlformats.org/presentationml/2006/main">
-  <p:cSld>
-    <p:spTree>
-      <p:nvGrpSpPr>
-        <p:cNvPr id="1" name=""/>
-        <p:cNvGrpSpPr/>
-        <p:nvPr/>
-      </p:nvGrpSpPr>
-      <p:grpSpPr>
-        <a:xfrm>
-          <a:off x="0" y="0"/>
-          <a:ext cx="0" cy="0"/>
-          <a:chOff x="0" y="0"/>
-          <a:chExt cx="0" cy="0"/>
-        </a:xfrm>
-      </p:grpSpPr>
-      <p:sp>
-        <p:nvSpPr>
-          <p:cNvPr id="2" name="Title 1"/>
-          <p:cNvSpPr>
-            <a:spLocks noGrp="1"/>
-          </p:cNvSpPr>
-          <p:nvPr>
-            <p:ph type="title"/>
-          </p:nvPr>
-        </p:nvSpPr>
-        <p:spPr/>
-        <p:txBody>
-          <a:bodyPr/>
-          <a:lstStyle/>
-          <a:p>
-            <a:r>
-              <a:rPr lang="en-US" dirty="0" smtClean="0"/>
-              <a:t>.Tutorials </a:t>
-            </a:r>
-            <a:r>
-              <a:rPr lang="en-IN" dirty="0"/>
-              <a:t/>
-            </a:r>
-            <a:br>
-              <a:rPr lang="en-IN" dirty="0"/>
-            </a:br>
-            <a:endParaRPr lang="en-IN" dirty="0"/>
-          </a:p>
-        </p:txBody>
-      </p:sp>
-      <p:sp>
-        <p:nvSpPr>
-          <p:cNvPr id="3" name="Content Placeholder 2"/>
-          <p:cNvSpPr>
-            <a:spLocks noGrp="1"/>
-          </p:cNvSpPr>
-          <p:nvPr>
-            <p:ph idx="1"/>
-          </p:nvPr>
-        </p:nvSpPr>
-        <p:spPr/>
-        <p:txBody>
-          <a:bodyPr/>
-          <a:lstStyle/>
-          <a:p>
-            <a:pPr lvl="0"/>
-            <a:r>
-              <a:rPr lang="en-US" dirty="0" smtClean="0"/>
-              <a:t>Cfar10</a:t>
-            </a:r>
-            <a:endParaRPr lang="en-IN" dirty="0"/>
-          </a:p>
-          <a:p>
-            <a:pPr lvl="0"/>
-            <a:r>
-              <a:rPr lang="en-US" dirty="0"/>
-              <a:t>Image recognition</a:t>
-            </a:r>
-            <a:endParaRPr lang="en-IN" dirty="0"/>
-          </a:p>
-          <a:p>
-            <a:endParaRPr lang="en-IN" dirty="0"/>
-          </a:p>
-        </p:txBody>
-      </p:sp>
-    </p:spTree>
-    <p:extLst>
-      <p:ext uri="{BB962C8B-B14F-4D97-AF65-F5344CB8AC3E}">
-        <p14:creationId xmlns:p14="http://schemas.microsoft.com/office/powerpoint/2010/main" val="3703212834"/>
-      </p:ext>
-    </p:extLst>
-  </p:cSld>
-  <p:clrMapOvr>
-    <a:masterClrMapping/>
-  </p:clrMapOvr>
-</p:sld>
-</file>
-
-<file path=ppt/slides/slide12.xml><?xml version="1.0" encoding="utf-8"?>
-<p:sld xmlns:a="http://schemas.openxmlformats.org/drawingml/2006/main" xmlns:r="http://schemas.openxmlformats.org/officeDocument/2006/relationships" xmlns:p="http://schemas.openxmlformats.org/presentationml/2006/main">
-  <p:cSld>
-    <p:spTree>
-      <p:nvGrpSpPr>
-        <p:cNvPr id="1" name=""/>
-        <p:cNvGrpSpPr/>
-        <p:nvPr/>
-      </p:nvGrpSpPr>
-      <p:grpSpPr>
-        <a:xfrm>
-          <a:off x="0" y="0"/>
-          <a:ext cx="0" cy="0"/>
-          <a:chOff x="0" y="0"/>
-          <a:chExt cx="0" cy="0"/>
-        </a:xfrm>
-      </p:grpSpPr>
-      <p:sp>
-        <p:nvSpPr>
-          <p:cNvPr id="2" name="Title 1"/>
-          <p:cNvSpPr>
-            <a:spLocks noGrp="1"/>
-          </p:cNvSpPr>
-          <p:nvPr>
-            <p:ph type="title"/>
-          </p:nvPr>
-        </p:nvSpPr>
-        <p:spPr/>
-        <p:txBody>
-          <a:bodyPr/>
-          <a:lstStyle/>
-          <a:p>
-            <a:endParaRPr lang="en-IN"/>
-          </a:p>
-        </p:txBody>
-      </p:sp>
-      <p:sp>
-        <p:nvSpPr>
-          <p:cNvPr id="3" name="Content Placeholder 2"/>
-          <p:cNvSpPr>
-            <a:spLocks noGrp="1"/>
-          </p:cNvSpPr>
-          <p:nvPr>
-            <p:ph idx="1"/>
-          </p:nvPr>
-        </p:nvSpPr>
-        <p:spPr/>
-        <p:txBody>
-          <a:bodyPr/>
-          <a:lstStyle/>
-          <a:p>
-            <a:endParaRPr lang="en-IN" dirty="0"/>
-          </a:p>
-        </p:txBody>
-      </p:sp>
-    </p:spTree>
-    <p:extLst>
-      <p:ext uri="{BB962C8B-B14F-4D97-AF65-F5344CB8AC3E}">
-        <p14:creationId xmlns:p14="http://schemas.microsoft.com/office/powerpoint/2010/main" val="4129382044"/>
-      </p:ext>
-    </p:extLst>
-  </p:cSld>
-  <p:clrMapOvr>
-    <a:masterClrMapping/>
-  </p:clrMapOvr>
-</p:sld>
-</file>
-
-<file path=ppt/slides/slide13.xml><?xml version="1.0" encoding="utf-8"?>
-<p:sld xmlns:a="http://schemas.openxmlformats.org/drawingml/2006/main" xmlns:r="http://schemas.openxmlformats.org/officeDocument/2006/relationships" xmlns:p="http://schemas.openxmlformats.org/presentationml/2006/main">
-  <p:cSld>
-    <p:spTree>
-      <p:nvGrpSpPr>
-        <p:cNvPr id="1" name=""/>
-        <p:cNvGrpSpPr/>
-        <p:nvPr/>
-      </p:nvGrpSpPr>
-      <p:grpSpPr>
-        <a:xfrm>
-          <a:off x="0" y="0"/>
-          <a:ext cx="0" cy="0"/>
-          <a:chOff x="0" y="0"/>
-          <a:chExt cx="0" cy="0"/>
-        </a:xfrm>
-      </p:grpSpPr>
-      <p:sp>
-        <p:nvSpPr>
-          <p:cNvPr id="2" name="Title 1"/>
-          <p:cNvSpPr>
-            <a:spLocks noGrp="1"/>
-          </p:cNvSpPr>
-          <p:nvPr>
-            <p:ph type="title"/>
-          </p:nvPr>
-        </p:nvSpPr>
-        <p:spPr/>
-        <p:txBody>
-          <a:bodyPr/>
-          <a:lstStyle/>
-          <a:p>
-            <a:endParaRPr lang="en-IN"/>
-          </a:p>
-        </p:txBody>
-      </p:sp>
-      <p:sp>
-        <p:nvSpPr>
-          <p:cNvPr id="3" name="Content Placeholder 2"/>
-          <p:cNvSpPr>
-            <a:spLocks noGrp="1"/>
-          </p:cNvSpPr>
-          <p:nvPr>
-            <p:ph idx="1"/>
-          </p:nvPr>
-        </p:nvSpPr>
-        <p:spPr/>
-        <p:txBody>
-          <a:bodyPr/>
-          <a:lstStyle/>
-          <a:p>
-            <a:endParaRPr lang="en-IN"/>
-          </a:p>
-        </p:txBody>
-      </p:sp>
-    </p:spTree>
-    <p:extLst>
-      <p:ext uri="{BB962C8B-B14F-4D97-AF65-F5344CB8AC3E}">
-        <p14:creationId xmlns:p14="http://schemas.microsoft.com/office/powerpoint/2010/main" val="510227756"/>
-      </p:ext>
-    </p:extLst>
-  </p:cSld>
-  <p:clrMapOvr>
-    <a:masterClrMapping/>
-  </p:clrMapOvr>
-</p:sld>
-</file>
-
-<file path=ppt/slides/slide14.xml><?xml version="1.0" encoding="utf-8"?>
-<p:sld xmlns:a="http://schemas.openxmlformats.org/drawingml/2006/main" xmlns:r="http://schemas.openxmlformats.org/officeDocument/2006/relationships" xmlns:p="http://schemas.openxmlformats.org/presentationml/2006/main">
-  <p:cSld>
-    <p:spTree>
-      <p:nvGrpSpPr>
-        <p:cNvPr id="1" name=""/>
-        <p:cNvGrpSpPr/>
-        <p:nvPr/>
-      </p:nvGrpSpPr>
-      <p:grpSpPr>
-        <a:xfrm>
-          <a:off x="0" y="0"/>
-          <a:ext cx="0" cy="0"/>
-          <a:chOff x="0" y="0"/>
-          <a:chExt cx="0" cy="0"/>
-        </a:xfrm>
-      </p:grpSpPr>
-      <p:sp>
-        <p:nvSpPr>
-          <p:cNvPr id="2" name="Title 1"/>
-          <p:cNvSpPr>
-            <a:spLocks noGrp="1"/>
-          </p:cNvSpPr>
-          <p:nvPr>
-            <p:ph type="title"/>
-          </p:nvPr>
-        </p:nvSpPr>
-        <p:spPr/>
-        <p:txBody>
-          <a:bodyPr/>
-          <a:lstStyle/>
-          <a:p>
-            <a:endParaRPr lang="en-IN"/>
-          </a:p>
-        </p:txBody>
-      </p:sp>
-      <p:sp>
-        <p:nvSpPr>
-          <p:cNvPr id="3" name="Content Placeholder 2"/>
-          <p:cNvSpPr>
-            <a:spLocks noGrp="1"/>
-          </p:cNvSpPr>
-          <p:nvPr>
-            <p:ph idx="1"/>
-          </p:nvPr>
-        </p:nvSpPr>
-        <p:spPr/>
-        <p:txBody>
-          <a:bodyPr/>
-          <a:lstStyle/>
-          <a:p>
-            <a:endParaRPr lang="en-IN"/>
-          </a:p>
-        </p:txBody>
-      </p:sp>
-    </p:spTree>
-    <p:extLst>
-      <p:ext uri="{BB962C8B-B14F-4D97-AF65-F5344CB8AC3E}">
-        <p14:creationId xmlns:p14="http://schemas.microsoft.com/office/powerpoint/2010/main" val="2165484563"/>
       </p:ext>
     </p:extLst>
   </p:cSld>
@@ -3494,12 +3261,9 @@
           <a:bodyPr/>
           <a:lstStyle/>
           <a:p>
-            <a:pPr marL="0" indent="0">
-              <a:buNone/>
-            </a:pPr>
             <a:r>
               <a:rPr lang="en-IN" dirty="0" smtClean="0"/>
-              <a:t>•Artificial </a:t>
+              <a:t>Artificial </a:t>
             </a:r>
             <a:r>
               <a:rPr lang="en-IN" dirty="0"/>
@@ -3507,12 +3271,9 @@
             </a:r>
           </a:p>
           <a:p>
-            <a:pPr marL="0" indent="0">
-              <a:buNone/>
-            </a:pPr>
             <a:r>
               <a:rPr lang="en-IN" dirty="0" smtClean="0"/>
-              <a:t>•A </a:t>
+              <a:t>A </a:t>
             </a:r>
             <a:r>
               <a:rPr lang="en-IN" dirty="0"/>
@@ -3698,36 +3459,86 @@
           <a:lstStyle/>
           <a:p>
             <a:r>
+              <a:rPr lang="en-IN" dirty="0" smtClean="0"/>
+              <a:t>Machine learning</a:t>
+            </a:r>
+            <a:endParaRPr lang="en-IN" dirty="0"/>
+          </a:p>
+        </p:txBody>
+      </p:sp>
+      <p:sp>
+        <p:nvSpPr>
+          <p:cNvPr id="3" name="Content Placeholder 2"/>
+          <p:cNvSpPr>
+            <a:spLocks noGrp="1"/>
+          </p:cNvSpPr>
+          <p:nvPr>
+            <p:ph idx="1"/>
+          </p:nvPr>
+        </p:nvSpPr>
+        <p:spPr/>
+        <p:txBody>
+          <a:bodyPr/>
+          <a:lstStyle/>
+          <a:p>
+            <a:pPr marL="228600" lvl="1">
+              <a:spcBef>
+                <a:spcPts val="1000"/>
+              </a:spcBef>
+            </a:pPr>
+            <a:r>
               <a:rPr lang="en-US" dirty="0"/>
-              <a:t>History, present and future</a:t>
-            </a:r>
+              <a:t>Machine learning is an application of artificial intelligence (AI) that provides systems the ability to automatically learn and improve from experience without being explicitly programmed. </a:t>
+            </a:r>
+            <a:endParaRPr lang="en-US" dirty="0" smtClean="0"/>
+          </a:p>
+          <a:p>
+            <a:pPr lvl="1"/>
+            <a:endParaRPr lang="en-US" dirty="0"/>
+          </a:p>
+          <a:p>
+            <a:pPr lvl="1"/>
             <a:endParaRPr lang="en-IN" dirty="0"/>
           </a:p>
-        </p:txBody>
-      </p:sp>
-      <p:sp>
-        <p:nvSpPr>
-          <p:cNvPr id="3" name="Content Placeholder 2"/>
-          <p:cNvSpPr>
-            <a:spLocks noGrp="1"/>
-          </p:cNvSpPr>
-          <p:nvPr>
-            <p:ph idx="1"/>
-          </p:nvPr>
-        </p:nvSpPr>
-        <p:spPr/>
-        <p:txBody>
-          <a:bodyPr/>
-          <a:lstStyle/>
           <a:p>
             <a:endParaRPr lang="en-IN" dirty="0"/>
           </a:p>
         </p:txBody>
       </p:sp>
+      <p:pic>
+        <p:nvPicPr>
+          <p:cNvPr id="4" name="Picture 3"/>
+          <p:cNvPicPr>
+            <a:picLocks noChangeAspect="1"/>
+          </p:cNvPicPr>
+          <p:nvPr/>
+        </p:nvPicPr>
+        <p:blipFill>
+          <a:blip r:embed="rId2">
+            <a:extLst>
+              <a:ext uri="{28A0092B-C50C-407E-A947-70E740481C1C}">
+                <a14:useLocalDpi xmlns:a14="http://schemas.microsoft.com/office/drawing/2010/main" val="0"/>
+              </a:ext>
+            </a:extLst>
+          </a:blip>
+          <a:stretch>
+            <a:fillRect/>
+          </a:stretch>
+        </p:blipFill>
+        <p:spPr>
+          <a:xfrm>
+            <a:off x="1804350" y="2993982"/>
+            <a:ext cx="7984084" cy="3525048"/>
+          </a:xfrm>
+          <a:prstGeom prst="rect">
+            <a:avLst/>
+          </a:prstGeom>
+        </p:spPr>
+      </p:pic>
     </p:spTree>
     <p:extLst>
       <p:ext uri="{BB962C8B-B14F-4D97-AF65-F5344CB8AC3E}">
-        <p14:creationId xmlns:p14="http://schemas.microsoft.com/office/powerpoint/2010/main" val="3118594467"/>
+        <p14:creationId xmlns:p14="http://schemas.microsoft.com/office/powerpoint/2010/main" val="185230450"/>
       </p:ext>
     </p:extLst>
   </p:cSld>
@@ -3756,78 +3567,84 @@
       </p:grpSpPr>
       <p:sp>
         <p:nvSpPr>
-          <p:cNvPr id="2" name="Title 1"/>
-          <p:cNvSpPr>
-            <a:spLocks noGrp="1"/>
-          </p:cNvSpPr>
-          <p:nvPr>
-            <p:ph type="title"/>
-          </p:nvPr>
-        </p:nvSpPr>
-        <p:spPr/>
-        <p:txBody>
-          <a:bodyPr/>
-          <a:lstStyle/>
-          <a:p>
-            <a:r>
-              <a:rPr lang="en-IN" dirty="0" smtClean="0"/>
-              <a:t>Machine learning</a:t>
+          <p:cNvPr id="3" name="Content Placeholder 2"/>
+          <p:cNvSpPr>
+            <a:spLocks noGrp="1"/>
+          </p:cNvSpPr>
+          <p:nvPr>
+            <p:ph idx="1"/>
+          </p:nvPr>
+        </p:nvSpPr>
+        <p:spPr/>
+        <p:txBody>
+          <a:bodyPr/>
+          <a:lstStyle/>
+          <a:p>
+            <a:r>
+              <a:rPr lang="en-US" dirty="0"/>
+              <a:t>It involves computational methods that use learning algorithms to build a model from data in</a:t>
+            </a:r>
+          </a:p>
+          <a:p>
+            <a:pPr lvl="1"/>
+            <a:r>
+              <a:rPr lang="en-US" dirty="0"/>
+              <a:t>Supervised </a:t>
+            </a:r>
+            <a:r>
+              <a:rPr lang="en-US" dirty="0" smtClean="0"/>
+              <a:t>– Learning with a labeled training set</a:t>
+            </a:r>
+          </a:p>
+          <a:p>
+            <a:pPr lvl="2"/>
+            <a:r>
+              <a:rPr lang="en-US" dirty="0" smtClean="0"/>
+              <a:t>Ex: spam email detector </a:t>
             </a:r>
             <a:endParaRPr lang="en-IN" dirty="0"/>
           </a:p>
-        </p:txBody>
-      </p:sp>
-      <p:sp>
-        <p:nvSpPr>
-          <p:cNvPr id="3" name="Content Placeholder 2"/>
-          <p:cNvSpPr>
-            <a:spLocks noGrp="1"/>
-          </p:cNvSpPr>
-          <p:nvPr>
-            <p:ph idx="1"/>
-          </p:nvPr>
-        </p:nvSpPr>
-        <p:spPr/>
-        <p:txBody>
-          <a:bodyPr/>
-          <a:lstStyle/>
-          <a:p>
+          <a:p>
+            <a:pPr lvl="1"/>
+            <a:r>
+              <a:rPr lang="en-US" dirty="0" smtClean="0"/>
+              <a:t>Unsupervised – Discovering patterns in unlabeled data</a:t>
+            </a:r>
+          </a:p>
+          <a:p>
+            <a:pPr lvl="2"/>
+            <a:r>
+              <a:rPr lang="en-US" dirty="0" smtClean="0"/>
+              <a:t>Ex: cluster similar documents based on the text contents</a:t>
+            </a:r>
+            <a:endParaRPr lang="en-IN" dirty="0"/>
+          </a:p>
+          <a:p>
+            <a:pPr lvl="1"/>
             <a:r>
               <a:rPr lang="en-US" dirty="0"/>
-              <a:t>Computational methods that use learning algorithms to build a model from </a:t>
+              <a:t>Reinforced </a:t>
             </a:r>
             <a:r>
               <a:rPr lang="en-US" dirty="0" smtClean="0"/>
-              <a:t>data in</a:t>
-            </a:r>
-          </a:p>
-          <a:p>
-            <a:pPr lvl="1"/>
+              <a:t>mode</a:t>
+            </a:r>
+            <a:r>
+              <a:rPr lang="en-US" dirty="0"/>
+              <a:t> – learning based on feedback or </a:t>
+            </a:r>
             <a:r>
               <a:rPr lang="en-US" dirty="0" smtClean="0"/>
-              <a:t>Supervised</a:t>
-            </a:r>
-            <a:endParaRPr lang="en-IN" dirty="0"/>
-          </a:p>
-          <a:p>
-            <a:pPr lvl="1"/>
-            <a:r>
-              <a:rPr lang="en-US" dirty="0"/>
-              <a:t>b. Unsupervised</a:t>
-            </a:r>
-            <a:endParaRPr lang="en-IN" dirty="0"/>
-          </a:p>
-          <a:p>
-            <a:pPr lvl="1"/>
-            <a:r>
-              <a:rPr lang="en-US" dirty="0"/>
-              <a:t>c. </a:t>
-            </a:r>
+              <a:t>reward</a:t>
+            </a:r>
+          </a:p>
+          <a:p>
+            <a:pPr lvl="2"/>
             <a:r>
               <a:rPr lang="en-US" dirty="0" smtClean="0"/>
-              <a:t>Reinforced mode</a:t>
-            </a:r>
-            <a:endParaRPr lang="en-IN" dirty="0"/>
+              <a:t>Ex: learn to play chess by wining or loosing</a:t>
+            </a:r>
+            <a:endParaRPr lang="en-US" dirty="0"/>
           </a:p>
           <a:p>
             <a:endParaRPr lang="en-IN" dirty="0"/>
@@ -3837,7 +3654,7 @@
     </p:spTree>
     <p:extLst>
       <p:ext uri="{BB962C8B-B14F-4D97-AF65-F5344CB8AC3E}">
-        <p14:creationId xmlns:p14="http://schemas.microsoft.com/office/powerpoint/2010/main" val="185230450"/>
+        <p14:creationId xmlns:p14="http://schemas.microsoft.com/office/powerpoint/2010/main" val="1652732870"/>
       </p:ext>
     </p:extLst>
   </p:cSld>
@@ -3903,41 +3720,50 @@
           <a:lstStyle/>
           <a:p>
             <a:r>
+              <a:rPr lang="en-IN" dirty="0" smtClean="0"/>
+              <a:t>Part of machine learning field of learning representations of data. </a:t>
+            </a:r>
+            <a:r>
+              <a:rPr lang="en-IN" dirty="0" smtClean="0"/>
+              <a:t>Exceptional  effective at learning patterns</a:t>
+            </a:r>
+          </a:p>
+          <a:p>
+            <a:r>
               <a:rPr lang="en-US" dirty="0"/>
-              <a:t>a. Introduction to Deep Learning</a:t>
-            </a:r>
-            <a:endParaRPr lang="en-IN" dirty="0"/>
-          </a:p>
-          <a:p>
+              <a:t>Utilizes learning algorithms that derive meaning out of data by using a </a:t>
+            </a:r>
+            <a:r>
+              <a:rPr lang="en-US" dirty="0" smtClean="0"/>
+              <a:t>hierarchy of </a:t>
+            </a:r>
             <a:r>
               <a:rPr lang="en-US" dirty="0"/>
-              <a:t>b. Hardware capabilities</a:t>
-            </a:r>
-            <a:endParaRPr lang="en-IN" dirty="0"/>
+              <a:t>multiple layers that mimic the neural networks of our brain</a:t>
+            </a:r>
+            <a:r>
+              <a:rPr lang="en-US" dirty="0" smtClean="0"/>
+              <a:t>.</a:t>
+            </a:r>
           </a:p>
           <a:p>
             <a:r>
               <a:rPr lang="en-US" dirty="0"/>
-              <a:t>c. Perception</a:t>
-            </a:r>
-            <a:endParaRPr lang="en-IN" dirty="0"/>
-          </a:p>
-          <a:p>
-            <a:r>
-              <a:rPr lang="en-US" dirty="0"/>
-              <a:t>d. Planning</a:t>
-            </a:r>
-            <a:endParaRPr lang="en-IN" dirty="0"/>
-          </a:p>
-          <a:p>
-            <a:r>
-              <a:rPr lang="en-US" dirty="0"/>
-              <a:t>e. Building Neural Networks</a:t>
-            </a:r>
-            <a:endParaRPr lang="en-IN" dirty="0"/>
-          </a:p>
-          <a:p>
-            <a:endParaRPr lang="en-IN" dirty="0"/>
+              <a:t>If you provide the system tons of information, it begins to understand it and respond in useful ways</a:t>
+            </a:r>
+            <a:r>
+              <a:rPr lang="en-US" dirty="0" smtClean="0"/>
+              <a:t>.</a:t>
+            </a:r>
+          </a:p>
+          <a:p>
+            <a:endParaRPr lang="en-US" dirty="0"/>
+          </a:p>
+          <a:p>
+            <a:r>
+              <a:rPr lang="en-US" dirty="0" smtClean="0"/>
+              <a:t>Ex: Speech recognition, computer vision, Natural Language Processing</a:t>
+            </a:r>
           </a:p>
         </p:txBody>
       </p:sp>
@@ -4006,37 +3832,101 @@
         </p:nvSpPr>
         <p:spPr/>
         <p:txBody>
-          <a:bodyPr/>
-          <a:lstStyle/>
-          <a:p>
+          <a:bodyPr>
+            <a:normAutofit/>
+          </a:bodyPr>
+          <a:lstStyle/>
+          <a:p>
+            <a:r>
+              <a:rPr lang="en-US" b="1" dirty="0"/>
+              <a:t>Python</a:t>
+            </a:r>
+            <a:r>
+              <a:rPr lang="en-US" dirty="0"/>
+              <a:t> is one of the most widely used programming languages in the </a:t>
+            </a:r>
+            <a:r>
+              <a:rPr lang="en-US" b="1" dirty="0"/>
+              <a:t>AI</a:t>
+            </a:r>
+            <a:r>
+              <a:rPr lang="en-US" dirty="0"/>
+              <a:t> field of </a:t>
+            </a:r>
+            <a:r>
+              <a:rPr lang="en-US" b="1" dirty="0"/>
+              <a:t>Artificial Intelligence</a:t>
+            </a:r>
+            <a:r>
+              <a:rPr lang="en-US" dirty="0"/>
+              <a:t> thanks to its simplicity. It can seamlessly be used with the data structures and other frequently used </a:t>
+            </a:r>
+            <a:r>
+              <a:rPr lang="en-US" b="1" dirty="0" smtClean="0"/>
+              <a:t>AI a</a:t>
+            </a:r>
             <a:r>
               <a:rPr lang="en-US" dirty="0" smtClean="0"/>
-              <a:t>PIL</a:t>
-            </a:r>
-            <a:endParaRPr lang="en-IN" dirty="0" smtClean="0"/>
-          </a:p>
-          <a:p>
+              <a:t>lgorithms.</a:t>
+            </a:r>
+          </a:p>
+          <a:p>
+            <a:r>
+              <a:rPr lang="en-IN" dirty="0" smtClean="0"/>
+              <a:t>It has more </a:t>
+            </a:r>
+            <a:r>
+              <a:rPr lang="en-IN" dirty="0"/>
+              <a:t>documentation, examples, bigger community, support </a:t>
+            </a:r>
+            <a:r>
+              <a:rPr lang="en-IN" dirty="0" err="1"/>
+              <a:t>etc</a:t>
+            </a:r>
+            <a:endParaRPr lang="en-US" dirty="0" smtClean="0"/>
+          </a:p>
+          <a:p>
+            <a:endParaRPr lang="en-US" dirty="0" smtClean="0"/>
+          </a:p>
+          <a:p>
+            <a:r>
+              <a:rPr lang="en-US" dirty="0" smtClean="0"/>
+              <a:t>Easy to learn and has a very good collection of libraries for AI programming</a:t>
+            </a:r>
+          </a:p>
+          <a:p>
+            <a:r>
+              <a:rPr lang="en-US" dirty="0" smtClean="0"/>
+              <a:t>like: PIL, </a:t>
+            </a:r>
             <a:r>
               <a:rPr lang="en-US" dirty="0" err="1" smtClean="0"/>
-              <a:t>Matplotlib</a:t>
-            </a:r>
-            <a:endParaRPr lang="en-US" dirty="0" smtClean="0"/>
-          </a:p>
-          <a:p>
-            <a:r>
-              <a:rPr lang="en-US" dirty="0" err="1" smtClean="0"/>
-              <a:t>Scipy</a:t>
-            </a:r>
-            <a:endParaRPr lang="en-US" dirty="0" smtClean="0"/>
-          </a:p>
-          <a:p>
+              <a:t>MatplotLib</a:t>
+            </a:r>
+            <a:r>
+              <a:rPr lang="en-US" dirty="0" smtClean="0"/>
+              <a:t> , </a:t>
+            </a:r>
             <a:r>
               <a:rPr lang="en-US" dirty="0" err="1" smtClean="0"/>
               <a:t>Numpy</a:t>
             </a:r>
-            <a:endParaRPr lang="en-US" dirty="0" smtClean="0"/>
-          </a:p>
-          <a:p>
+            <a:r>
+              <a:rPr lang="en-US" dirty="0" smtClean="0"/>
+              <a:t>, </a:t>
+            </a:r>
+            <a:r>
+              <a:rPr lang="en-US" dirty="0" err="1" smtClean="0"/>
+              <a:t>Tensorflow</a:t>
+            </a:r>
+            <a:r>
+              <a:rPr lang="en-US" dirty="0" smtClean="0"/>
+              <a:t> </a:t>
+            </a:r>
+            <a:r>
+              <a:rPr lang="en-US" dirty="0" err="1" smtClean="0"/>
+              <a:t>etc</a:t>
+            </a:r>
             <a:endParaRPr lang="en-US" dirty="0" smtClean="0"/>
           </a:p>
         </p:txBody>
@@ -4127,18 +4017,53 @@
             </a:r>
           </a:p>
           <a:p>
-            <a:endParaRPr lang="en-IN" dirty="0"/>
-          </a:p>
-          <a:p>
-            <a:endParaRPr lang="en-IN" dirty="0" smtClean="0"/>
-          </a:p>
-          <a:p>
-            <a:r>
-              <a:rPr lang="en-IN" dirty="0" smtClean="0"/>
-              <a:t>a. What can be achieved</a:t>
-            </a:r>
-          </a:p>
-          <a:p>
+            <a:r>
+              <a:rPr lang="en-US" dirty="0"/>
+              <a:t>Computer Vision is a Field That Includes Methods </a:t>
+            </a:r>
+            <a:r>
+              <a:rPr lang="en-US" dirty="0" smtClean="0"/>
+              <a:t>for</a:t>
+            </a:r>
+          </a:p>
+          <a:p>
+            <a:pPr lvl="1"/>
+            <a:r>
+              <a:rPr lang="en-US" dirty="0" smtClean="0"/>
+              <a:t>Acquiring</a:t>
+            </a:r>
+          </a:p>
+          <a:p>
+            <a:pPr lvl="1"/>
+            <a:r>
+              <a:rPr lang="en-US" dirty="0" smtClean="0"/>
+              <a:t>Processing </a:t>
+            </a:r>
+          </a:p>
+          <a:p>
+            <a:pPr lvl="1"/>
+            <a:r>
+              <a:rPr lang="en-US" dirty="0" smtClean="0"/>
+              <a:t>Analyzing</a:t>
+            </a:r>
+          </a:p>
+          <a:p>
+            <a:pPr lvl="1"/>
+            <a:r>
+              <a:rPr lang="en-US" dirty="0" smtClean="0"/>
+              <a:t>Understanding Images</a:t>
+            </a:r>
+          </a:p>
+          <a:p>
+            <a:pPr lvl="1"/>
+            <a:r>
+              <a:rPr lang="en-US" dirty="0" smtClean="0"/>
+              <a:t>Produce </a:t>
+            </a:r>
+            <a:r>
+              <a:rPr lang="en-US" dirty="0"/>
+              <a:t>Numerical information</a:t>
+            </a:r>
             <a:endParaRPr lang="en-IN" dirty="0"/>
           </a:p>
         </p:txBody>
@@ -4190,7 +4115,15 @@
           <a:p>
             <a:r>
               <a:rPr lang="en-IN" dirty="0" smtClean="0"/>
-              <a:t>Computer vision </a:t>
+              <a:t>Computer </a:t>
+            </a:r>
+            <a:r>
+              <a:rPr lang="en-IN" dirty="0" smtClean="0"/>
+              <a:t>vision Applications </a:t>
+            </a:r>
+            <a:r>
+              <a:rPr lang="en-IN" dirty="0" smtClean="0"/>
+              <a:t/>
             </a:r>
             <a:br>
               <a:rPr lang="en-IN" dirty="0" smtClean="0"/>
@@ -4220,14 +4153,25 @@
           <a:lstStyle/>
           <a:p>
             <a:r>
-              <a:rPr lang="en-IN" dirty="0"/>
-              <a:t>b. Introduction to Tensor Flow</a:t>
-            </a:r>
-          </a:p>
-          <a:p>
-            <a:r>
-              <a:rPr lang="en-IN" dirty="0"/>
-              <a:t>Open CV</a:t>
+              <a:rPr lang="en-US" altLang="en-US" dirty="0"/>
+              <a:t>Face recognition and </a:t>
+            </a:r>
+            <a:r>
+              <a:rPr lang="en-US" altLang="en-US" dirty="0" smtClean="0"/>
+              <a:t>enhancement</a:t>
+            </a:r>
+          </a:p>
+          <a:p>
+            <a:r>
+              <a:rPr lang="en-US" altLang="en-US" dirty="0" smtClean="0"/>
+              <a:t>Automated driving</a:t>
+            </a:r>
+            <a:endParaRPr lang="en-US" altLang="en-US" dirty="0"/>
+          </a:p>
+          <a:p>
+            <a:r>
+              <a:rPr lang="en-US" altLang="en-US" dirty="0"/>
+              <a:t>Visual tracking systems</a:t>
             </a:r>
           </a:p>
           <a:p>
